--- a/slides/Intro to Project_SRedits.pptx
+++ b/slides/Intro to Project_SRedits.pptx
@@ -3499,7 +3499,7 @@
                 <a:latin typeface="Arial" charset="0"/>
                 <a:cs typeface="Arial" charset="0"/>
               </a:rPr>
-              <a:t>Usually happens around the poles -&gt; membrane fluidity</a:t>
+              <a:t>Usually happens around the poles -&gt; increased membrane fluidity</a:t>
             </a:r>
             <a:endParaRPr lang="en-US" dirty="0"/>
           </a:p>
@@ -3597,7 +3597,7 @@
           <a:graphicData uri="http://schemas.openxmlformats.org/presentationml/2006/ole">
             <mc:AlternateContent xmlns:mc="http://schemas.openxmlformats.org/markup-compatibility/2006">
               <mc:Choice xmlns:v="urn:schemas-microsoft-com:vml" Requires="v">
-                <p:oleObj spid="_x0000_s1028" name="Acrobat Document" r:id="rId3" imgW="3200301" imgH="3200400" progId="AcroExch.Document.DC">
+                <p:oleObj spid="_x0000_s1029" name="Acrobat Document" r:id="rId3" imgW="3200301" imgH="3200400" progId="AcroExch.Document.DC">
                   <p:embed/>
                 </p:oleObj>
               </mc:Choice>

--- a/slides/Intro to Project_SRedits.pptx
+++ b/slides/Intro to Project_SRedits.pptx
@@ -113,6 +113,59 @@
 </p:presentation>
 </file>
 
+<file path=ppt/revisionInfo.xml><?xml version="1.0" encoding="utf-8"?>
+<p1510:revInfo xmlns:a="http://schemas.openxmlformats.org/drawingml/2006/main" xmlns:r="http://schemas.openxmlformats.org/officeDocument/2006/relationships" xmlns:p1510="http://schemas.microsoft.com/office/powerpoint/2015/10/main">
+  <p1510:revLst>
+    <p1510:client id="{A70B9D21-C3FD-4B01-88DF-7CE93B7EDFB2}" v="3" dt="2020-06-08T21:24:48.585"/>
+  </p1510:revLst>
+</p1510:revInfo>
+</file>
+
+<file path=ppt/changesInfos/changesInfo1.xml><?xml version="1.0" encoding="utf-8"?>
+<pc:chgInfo xmlns:a="http://schemas.openxmlformats.org/drawingml/2006/main" xmlns:r="http://schemas.openxmlformats.org/officeDocument/2006/relationships" xmlns:ac="http://schemas.microsoft.com/office/drawing/2013/main/command" xmlns:pc="http://schemas.microsoft.com/office/powerpoint/2013/main/command">
+  <pc:docChgLst>
+    <pc:chgData name="Troy Biernath" userId="aed3d806ed7068fe" providerId="LiveId" clId="{A70B9D21-C3FD-4B01-88DF-7CE93B7EDFB2}"/>
+    <pc:docChg chg="custSel addSld delSld modSld">
+      <pc:chgData name="Troy Biernath" userId="aed3d806ed7068fe" providerId="LiveId" clId="{A70B9D21-C3FD-4B01-88DF-7CE93B7EDFB2}" dt="2020-06-08T21:29:57.639" v="8" actId="2696"/>
+      <pc:docMkLst>
+        <pc:docMk/>
+      </pc:docMkLst>
+      <pc:sldChg chg="addSp delSp modSp new del mod">
+        <pc:chgData name="Troy Biernath" userId="aed3d806ed7068fe" providerId="LiveId" clId="{A70B9D21-C3FD-4B01-88DF-7CE93B7EDFB2}" dt="2020-06-08T21:29:57.639" v="8" actId="2696"/>
+        <pc:sldMkLst>
+          <pc:docMk/>
+          <pc:sldMk cId="476959491" sldId="260"/>
+        </pc:sldMkLst>
+        <pc:spChg chg="del">
+          <ac:chgData name="Troy Biernath" userId="aed3d806ed7068fe" providerId="LiveId" clId="{A70B9D21-C3FD-4B01-88DF-7CE93B7EDFB2}" dt="2020-06-08T21:24:15.078" v="2" actId="478"/>
+          <ac:spMkLst>
+            <pc:docMk/>
+            <pc:sldMk cId="476959491" sldId="260"/>
+            <ac:spMk id="2" creationId="{DA8E24DA-B681-4244-A6AF-3EC4CD73AFE2}"/>
+          </ac:spMkLst>
+        </pc:spChg>
+        <pc:spChg chg="del">
+          <ac:chgData name="Troy Biernath" userId="aed3d806ed7068fe" providerId="LiveId" clId="{A70B9D21-C3FD-4B01-88DF-7CE93B7EDFB2}" dt="2020-06-08T21:24:13.246" v="1" actId="478"/>
+          <ac:spMkLst>
+            <pc:docMk/>
+            <pc:sldMk cId="476959491" sldId="260"/>
+            <ac:spMk id="3" creationId="{418D8379-E006-452E-A721-CE5AB687E9F7}"/>
+          </ac:spMkLst>
+        </pc:spChg>
+        <pc:graphicFrameChg chg="add mod">
+          <ac:chgData name="Troy Biernath" userId="aed3d806ed7068fe" providerId="LiveId" clId="{A70B9D21-C3FD-4B01-88DF-7CE93B7EDFB2}" dt="2020-06-08T21:24:51.922" v="7" actId="1076"/>
+          <ac:graphicFrameMkLst>
+            <pc:docMk/>
+            <pc:sldMk cId="476959491" sldId="260"/>
+            <ac:graphicFrameMk id="4" creationId="{719C35C8-C1AA-4251-9E42-744AC288A794}"/>
+          </ac:graphicFrameMkLst>
+        </pc:graphicFrameChg>
+      </pc:sldChg>
+    </pc:docChg>
+  </pc:docChgLst>
+</pc:chgInfo>
+</file>
+
 <file path=ppt/slideLayouts/slideLayout1.xml><?xml version="1.0" encoding="utf-8"?>
 <p:sldLayout xmlns:a="http://schemas.openxmlformats.org/drawingml/2006/main" xmlns:r="http://schemas.openxmlformats.org/officeDocument/2006/relationships" xmlns:p="http://schemas.openxmlformats.org/presentationml/2006/main" type="title" preserve="1">
   <p:cSld name="Title Slide">
@@ -260,7 +313,7 @@
           <a:p>
             <a:fld id="{42CE2AC6-A9D6-483B-BF6D-E270A32469EC}" type="datetimeFigureOut">
               <a:rPr lang="en-US" smtClean="0"/>
-              <a:t>6/8/20</a:t>
+              <a:t>6/8/2020</a:t>
             </a:fld>
             <a:endParaRPr lang="en-US"/>
           </a:p>
@@ -458,7 +511,7 @@
           <a:p>
             <a:fld id="{42CE2AC6-A9D6-483B-BF6D-E270A32469EC}" type="datetimeFigureOut">
               <a:rPr lang="en-US" smtClean="0"/>
-              <a:t>6/8/20</a:t>
+              <a:t>6/8/2020</a:t>
             </a:fld>
             <a:endParaRPr lang="en-US"/>
           </a:p>
@@ -666,7 +719,7 @@
           <a:p>
             <a:fld id="{42CE2AC6-A9D6-483B-BF6D-E270A32469EC}" type="datetimeFigureOut">
               <a:rPr lang="en-US" smtClean="0"/>
-              <a:t>6/8/20</a:t>
+              <a:t>6/8/2020</a:t>
             </a:fld>
             <a:endParaRPr lang="en-US"/>
           </a:p>
@@ -864,7 +917,7 @@
           <a:p>
             <a:fld id="{42CE2AC6-A9D6-483B-BF6D-E270A32469EC}" type="datetimeFigureOut">
               <a:rPr lang="en-US" smtClean="0"/>
-              <a:t>6/8/20</a:t>
+              <a:t>6/8/2020</a:t>
             </a:fld>
             <a:endParaRPr lang="en-US"/>
           </a:p>
@@ -1139,7 +1192,7 @@
           <a:p>
             <a:fld id="{42CE2AC6-A9D6-483B-BF6D-E270A32469EC}" type="datetimeFigureOut">
               <a:rPr lang="en-US" smtClean="0"/>
-              <a:t>6/8/20</a:t>
+              <a:t>6/8/2020</a:t>
             </a:fld>
             <a:endParaRPr lang="en-US"/>
           </a:p>
@@ -1404,7 +1457,7 @@
           <a:p>
             <a:fld id="{42CE2AC6-A9D6-483B-BF6D-E270A32469EC}" type="datetimeFigureOut">
               <a:rPr lang="en-US" smtClean="0"/>
-              <a:t>6/8/20</a:t>
+              <a:t>6/8/2020</a:t>
             </a:fld>
             <a:endParaRPr lang="en-US"/>
           </a:p>
@@ -1816,7 +1869,7 @@
           <a:p>
             <a:fld id="{42CE2AC6-A9D6-483B-BF6D-E270A32469EC}" type="datetimeFigureOut">
               <a:rPr lang="en-US" smtClean="0"/>
-              <a:t>6/8/20</a:t>
+              <a:t>6/8/2020</a:t>
             </a:fld>
             <a:endParaRPr lang="en-US"/>
           </a:p>
@@ -1957,7 +2010,7 @@
           <a:p>
             <a:fld id="{42CE2AC6-A9D6-483B-BF6D-E270A32469EC}" type="datetimeFigureOut">
               <a:rPr lang="en-US" smtClean="0"/>
-              <a:t>6/8/20</a:t>
+              <a:t>6/8/2020</a:t>
             </a:fld>
             <a:endParaRPr lang="en-US"/>
           </a:p>
@@ -2070,7 +2123,7 @@
           <a:p>
             <a:fld id="{42CE2AC6-A9D6-483B-BF6D-E270A32469EC}" type="datetimeFigureOut">
               <a:rPr lang="en-US" smtClean="0"/>
-              <a:t>6/8/20</a:t>
+              <a:t>6/8/2020</a:t>
             </a:fld>
             <a:endParaRPr lang="en-US"/>
           </a:p>
@@ -2381,7 +2434,7 @@
           <a:p>
             <a:fld id="{42CE2AC6-A9D6-483B-BF6D-E270A32469EC}" type="datetimeFigureOut">
               <a:rPr lang="en-US" smtClean="0"/>
-              <a:t>6/8/20</a:t>
+              <a:t>6/8/2020</a:t>
             </a:fld>
             <a:endParaRPr lang="en-US"/>
           </a:p>
@@ -2669,7 +2722,7 @@
           <a:p>
             <a:fld id="{42CE2AC6-A9D6-483B-BF6D-E270A32469EC}" type="datetimeFigureOut">
               <a:rPr lang="en-US" smtClean="0"/>
-              <a:t>6/8/20</a:t>
+              <a:t>6/8/2020</a:t>
             </a:fld>
             <a:endParaRPr lang="en-US"/>
           </a:p>
@@ -2910,7 +2963,7 @@
           <a:p>
             <a:fld id="{42CE2AC6-A9D6-483B-BF6D-E270A32469EC}" type="datetimeFigureOut">
               <a:rPr lang="en-US" smtClean="0"/>
-              <a:t>6/8/20</a:t>
+              <a:t>6/8/2020</a:t>
             </a:fld>
             <a:endParaRPr lang="en-US"/>
           </a:p>
@@ -3597,7 +3650,7 @@
           <a:graphicData uri="http://schemas.openxmlformats.org/presentationml/2006/ole">
             <mc:AlternateContent xmlns:mc="http://schemas.openxmlformats.org/markup-compatibility/2006">
               <mc:Choice xmlns:v="urn:schemas-microsoft-com:vml" Requires="v">
-                <p:oleObj spid="_x0000_s1029" name="Acrobat Document" r:id="rId3" imgW="3200301" imgH="3200400" progId="AcroExch.Document.DC">
+                <p:oleObj spid="_x0000_s1026" name="Acrobat Document" r:id="rId3" imgW="3200301" imgH="3200400" progId="AcroExch.Document.DC">
                   <p:embed/>
                 </p:oleObj>
               </mc:Choice>
